--- a/topic-1/talk-1/FS2-intro.pptx
+++ b/topic-1/talk-1/FS2-intro.pptx
@@ -6252,7 +6252,7 @@
           <a:p>
             <a:fld id="{7FA44F20-A97B-47AA-A242-987ACB3E7403}" type="datetimeFigureOut">
               <a:rPr lang="en-IE" smtClean="0"/>
-              <a:t>12/01/2024</a:t>
+              <a:t>09/01/2025</a:t>
             </a:fld>
             <a:endParaRPr lang="en-IE"/>
           </a:p>
@@ -6452,7 +6452,7 @@
           <a:p>
             <a:fld id="{7FA44F20-A97B-47AA-A242-987ACB3E7403}" type="datetimeFigureOut">
               <a:rPr lang="en-IE" smtClean="0"/>
-              <a:t>12/01/2024</a:t>
+              <a:t>09/01/2025</a:t>
             </a:fld>
             <a:endParaRPr lang="en-IE"/>
           </a:p>
@@ -6662,7 +6662,7 @@
           <a:p>
             <a:fld id="{7FA44F20-A97B-47AA-A242-987ACB3E7403}" type="datetimeFigureOut">
               <a:rPr lang="en-IE" smtClean="0"/>
-              <a:t>12/01/2024</a:t>
+              <a:t>09/01/2025</a:t>
             </a:fld>
             <a:endParaRPr lang="en-IE"/>
           </a:p>
@@ -6862,7 +6862,7 @@
           <a:p>
             <a:fld id="{7FA44F20-A97B-47AA-A242-987ACB3E7403}" type="datetimeFigureOut">
               <a:rPr lang="en-IE" smtClean="0"/>
-              <a:t>12/01/2024</a:t>
+              <a:t>09/01/2025</a:t>
             </a:fld>
             <a:endParaRPr lang="en-IE"/>
           </a:p>
@@ -7138,7 +7138,7 @@
           <a:p>
             <a:fld id="{7FA44F20-A97B-47AA-A242-987ACB3E7403}" type="datetimeFigureOut">
               <a:rPr lang="en-IE" smtClean="0"/>
-              <a:t>12/01/2024</a:t>
+              <a:t>09/01/2025</a:t>
             </a:fld>
             <a:endParaRPr lang="en-IE"/>
           </a:p>
@@ -7406,7 +7406,7 @@
           <a:p>
             <a:fld id="{7FA44F20-A97B-47AA-A242-987ACB3E7403}" type="datetimeFigureOut">
               <a:rPr lang="en-IE" smtClean="0"/>
-              <a:t>12/01/2024</a:t>
+              <a:t>09/01/2025</a:t>
             </a:fld>
             <a:endParaRPr lang="en-IE"/>
           </a:p>
@@ -7821,7 +7821,7 @@
           <a:p>
             <a:fld id="{7FA44F20-A97B-47AA-A242-987ACB3E7403}" type="datetimeFigureOut">
               <a:rPr lang="en-IE" smtClean="0"/>
-              <a:t>12/01/2024</a:t>
+              <a:t>09/01/2025</a:t>
             </a:fld>
             <a:endParaRPr lang="en-IE"/>
           </a:p>
@@ -7963,7 +7963,7 @@
           <a:p>
             <a:fld id="{7FA44F20-A97B-47AA-A242-987ACB3E7403}" type="datetimeFigureOut">
               <a:rPr lang="en-IE" smtClean="0"/>
-              <a:t>12/01/2024</a:t>
+              <a:t>09/01/2025</a:t>
             </a:fld>
             <a:endParaRPr lang="en-IE"/>
           </a:p>
@@ -8076,7 +8076,7 @@
           <a:p>
             <a:fld id="{7FA44F20-A97B-47AA-A242-987ACB3E7403}" type="datetimeFigureOut">
               <a:rPr lang="en-IE" smtClean="0"/>
-              <a:t>12/01/2024</a:t>
+              <a:t>09/01/2025</a:t>
             </a:fld>
             <a:endParaRPr lang="en-IE"/>
           </a:p>
@@ -8389,7 +8389,7 @@
           <a:p>
             <a:fld id="{7FA44F20-A97B-47AA-A242-987ACB3E7403}" type="datetimeFigureOut">
               <a:rPr lang="en-IE" smtClean="0"/>
-              <a:t>12/01/2024</a:t>
+              <a:t>09/01/2025</a:t>
             </a:fld>
             <a:endParaRPr lang="en-IE"/>
           </a:p>
@@ -8678,7 +8678,7 @@
           <a:p>
             <a:fld id="{7FA44F20-A97B-47AA-A242-987ACB3E7403}" type="datetimeFigureOut">
               <a:rPr lang="en-IE" smtClean="0"/>
-              <a:t>12/01/2024</a:t>
+              <a:t>09/01/2025</a:t>
             </a:fld>
             <a:endParaRPr lang="en-IE"/>
           </a:p>
@@ -8921,7 +8921,7 @@
           <a:p>
             <a:fld id="{7FA44F20-A97B-47AA-A242-987ACB3E7403}" type="datetimeFigureOut">
               <a:rPr lang="en-IE" smtClean="0"/>
-              <a:t>12/01/2024</a:t>
+              <a:t>09/01/2025</a:t>
             </a:fld>
             <a:endParaRPr lang="en-IE"/>
           </a:p>
@@ -11521,6 +11521,53 @@
           </a:prstGeom>
         </p:spPr>
       </p:pic>
+      <p:pic>
+        <p:nvPicPr>
+          <p:cNvPr id="1026" name="Picture 2" descr="Enhancing JavaScript Development">
+            <a:extLst>
+              <a:ext uri="{FF2B5EF4-FFF2-40B4-BE49-F238E27FC236}">
+                <a16:creationId xmlns:a16="http://schemas.microsoft.com/office/drawing/2014/main" id="{3C0D1212-2488-FC61-6DDA-A039CD0F5E4E}"/>
+              </a:ext>
+            </a:extLst>
+          </p:cNvPr>
+          <p:cNvPicPr>
+            <a:picLocks noChangeAspect="1" noChangeArrowheads="1"/>
+          </p:cNvPicPr>
+          <p:nvPr/>
+        </p:nvPicPr>
+        <p:blipFill>
+          <a:blip r:embed="rId7">
+            <a:extLst>
+              <a:ext uri="{28A0092B-C50C-407E-A947-70E740481C1C}">
+                <a14:useLocalDpi xmlns:a14="http://schemas.microsoft.com/office/drawing/2010/main" val="0"/>
+              </a:ext>
+            </a:extLst>
+          </a:blip>
+          <a:srcRect/>
+          <a:stretch>
+            <a:fillRect/>
+          </a:stretch>
+        </p:blipFill>
+        <p:spPr bwMode="auto">
+          <a:xfrm>
+            <a:off x="5687034" y="5123409"/>
+            <a:ext cx="2125253" cy="1194122"/>
+          </a:xfrm>
+          <a:prstGeom prst="rect">
+            <a:avLst/>
+          </a:prstGeom>
+          <a:noFill/>
+          <a:extLst>
+            <a:ext uri="{909E8E84-426E-40DD-AFC4-6F175D3DCCD1}">
+              <a14:hiddenFill xmlns:a14="http://schemas.microsoft.com/office/drawing/2010/main">
+                <a:solidFill>
+                  <a:srgbClr val="FFFFFF"/>
+                </a:solidFill>
+              </a14:hiddenFill>
+            </a:ext>
+          </a:extLst>
+        </p:spPr>
+      </p:pic>
     </p:spTree>
     <p:extLst>
       <p:ext uri="{BB962C8B-B14F-4D97-AF65-F5344CB8AC3E}">
